--- a/DSA/Stiver DSA/3. Solve problems on Arrays/Medium.pptx
+++ b/DSA/Stiver DSA/3. Solve problems on Arrays/Medium.pptx
@@ -25,9 +25,21 @@
     <p:sldId id="270" r:id="rId19"/>
     <p:sldId id="274" r:id="rId20"/>
     <p:sldId id="275" r:id="rId21"/>
-    <p:sldId id="276" r:id="rId22"/>
-    <p:sldId id="277" r:id="rId23"/>
+    <p:sldId id="277" r:id="rId22"/>
+    <p:sldId id="276" r:id="rId23"/>
     <p:sldId id="278" r:id="rId24"/>
+    <p:sldId id="279" r:id="rId25"/>
+    <p:sldId id="280" r:id="rId26"/>
+    <p:sldId id="281" r:id="rId27"/>
+    <p:sldId id="282" r:id="rId28"/>
+    <p:sldId id="283" r:id="rId29"/>
+    <p:sldId id="284" r:id="rId30"/>
+    <p:sldId id="285" r:id="rId31"/>
+    <p:sldId id="286" r:id="rId32"/>
+    <p:sldId id="287" r:id="rId33"/>
+    <p:sldId id="288" r:id="rId34"/>
+    <p:sldId id="289" r:id="rId35"/>
+    <p:sldId id="290" r:id="rId36"/>
   </p:sldIdLst>
   <p:sldSz cx="12192000" cy="6858000"/>
   <p:notesSz cx="6858000" cy="9144000"/>
@@ -219,9 +231,53 @@
         <p14:section name="Method 3: Kadane’s Algorithm ⭐" id="{163A23CE-70F1-4D7D-BBDE-4790139A3F70}">
           <p14:sldIdLst>
             <p14:sldId id="275"/>
+          </p14:sldIdLst>
+        </p14:section>
+        <p14:section name="LCE 121 : Best Time to Buy and Sell Stock" id="{E909ADAD-025D-497F-9E34-50A1DF64A673}">
+          <p14:sldIdLst>
+            <p14:sldId id="277"/>
+          </p14:sldIdLst>
+        </p14:section>
+        <p14:section name="Method 1: Brute Force" id="{9B7C4D99-B357-4702-B3A7-6B25C834A89C}">
+          <p14:sldIdLst>
             <p14:sldId id="276"/>
-            <p14:sldId id="277"/>
+          </p14:sldIdLst>
+        </p14:section>
+        <p14:section name="Method 2: Better Approach" id="{E6497405-B7B2-460C-B86E-F8BA91081DCD}">
+          <p14:sldIdLst>
             <p14:sldId id="278"/>
+          </p14:sldIdLst>
+        </p14:section>
+        <p14:section name="Method 3: Kadane’s Algorithm Interpretation" id="{6B7690A2-F570-41C2-B024-2F29B0F6CA2E}">
+          <p14:sldIdLst>
+            <p14:sldId id="279"/>
+          </p14:sldIdLst>
+        </p14:section>
+        <p14:section name="LCM 2149 : Rearrange Array Elements by Sign" id="{1EF9A2D6-7C31-45E9-940D-FE0CA631FF9F}">
+          <p14:sldIdLst>
+            <p14:sldId id="280"/>
+          </p14:sldIdLst>
+        </p14:section>
+        <p14:section name="Method 1: Brute Force using Extra Lists" id="{D56B15BE-85A2-475E-9300-A19EA090FFE3}">
+          <p14:sldIdLst>
+            <p14:sldId id="281"/>
+          </p14:sldIdLst>
+        </p14:section>
+        <p14:section name="Method 2: Optimal Solution using Single Pass with Index Tracking" id="{FF3B9ABD-47D2-4D9C-860D-D9248B845446}">
+          <p14:sldIdLst>
+            <p14:sldId id="282"/>
+          </p14:sldIdLst>
+        </p14:section>
+        <p14:section name="Longest Common Sequence" id="{A8E99E31-94AC-4B02-B417-5B68745790DC}">
+          <p14:sldIdLst>
+            <p14:sldId id="283"/>
+            <p14:sldId id="284"/>
+            <p14:sldId id="285"/>
+            <p14:sldId id="286"/>
+            <p14:sldId id="287"/>
+            <p14:sldId id="288"/>
+            <p14:sldId id="289"/>
+            <p14:sldId id="290"/>
           </p14:sldIdLst>
         </p14:section>
       </p14:sectionLst>
@@ -382,7 +438,7 @@
           <a:p>
             <a:fld id="{C68FA179-BAE3-4847-9931-D275E2BBA771}" type="datetimeFigureOut">
               <a:rPr lang="en-IN" smtClean="0"/>
-              <a:t>20-01-2026</a:t>
+              <a:t>22-01-2026</a:t>
             </a:fld>
             <a:endParaRPr lang="en-IN"/>
           </a:p>
@@ -582,7 +638,7 @@
           <a:p>
             <a:fld id="{C68FA179-BAE3-4847-9931-D275E2BBA771}" type="datetimeFigureOut">
               <a:rPr lang="en-IN" smtClean="0"/>
-              <a:t>20-01-2026</a:t>
+              <a:t>22-01-2026</a:t>
             </a:fld>
             <a:endParaRPr lang="en-IN"/>
           </a:p>
@@ -792,7 +848,7 @@
           <a:p>
             <a:fld id="{C68FA179-BAE3-4847-9931-D275E2BBA771}" type="datetimeFigureOut">
               <a:rPr lang="en-IN" smtClean="0"/>
-              <a:t>20-01-2026</a:t>
+              <a:t>22-01-2026</a:t>
             </a:fld>
             <a:endParaRPr lang="en-IN"/>
           </a:p>
@@ -992,7 +1048,7 @@
           <a:p>
             <a:fld id="{C68FA179-BAE3-4847-9931-D275E2BBA771}" type="datetimeFigureOut">
               <a:rPr lang="en-IN" smtClean="0"/>
-              <a:t>20-01-2026</a:t>
+              <a:t>22-01-2026</a:t>
             </a:fld>
             <a:endParaRPr lang="en-IN"/>
           </a:p>
@@ -1268,7 +1324,7 @@
           <a:p>
             <a:fld id="{C68FA179-BAE3-4847-9931-D275E2BBA771}" type="datetimeFigureOut">
               <a:rPr lang="en-IN" smtClean="0"/>
-              <a:t>20-01-2026</a:t>
+              <a:t>22-01-2026</a:t>
             </a:fld>
             <a:endParaRPr lang="en-IN"/>
           </a:p>
@@ -1536,7 +1592,7 @@
           <a:p>
             <a:fld id="{C68FA179-BAE3-4847-9931-D275E2BBA771}" type="datetimeFigureOut">
               <a:rPr lang="en-IN" smtClean="0"/>
-              <a:t>20-01-2026</a:t>
+              <a:t>22-01-2026</a:t>
             </a:fld>
             <a:endParaRPr lang="en-IN"/>
           </a:p>
@@ -1951,7 +2007,7 @@
           <a:p>
             <a:fld id="{C68FA179-BAE3-4847-9931-D275E2BBA771}" type="datetimeFigureOut">
               <a:rPr lang="en-IN" smtClean="0"/>
-              <a:t>20-01-2026</a:t>
+              <a:t>22-01-2026</a:t>
             </a:fld>
             <a:endParaRPr lang="en-IN"/>
           </a:p>
@@ -2093,7 +2149,7 @@
           <a:p>
             <a:fld id="{C68FA179-BAE3-4847-9931-D275E2BBA771}" type="datetimeFigureOut">
               <a:rPr lang="en-IN" smtClean="0"/>
-              <a:t>20-01-2026</a:t>
+              <a:t>22-01-2026</a:t>
             </a:fld>
             <a:endParaRPr lang="en-IN"/>
           </a:p>
@@ -2206,7 +2262,7 @@
           <a:p>
             <a:fld id="{C68FA179-BAE3-4847-9931-D275E2BBA771}" type="datetimeFigureOut">
               <a:rPr lang="en-IN" smtClean="0"/>
-              <a:t>20-01-2026</a:t>
+              <a:t>22-01-2026</a:t>
             </a:fld>
             <a:endParaRPr lang="en-IN"/>
           </a:p>
@@ -2519,7 +2575,7 @@
           <a:p>
             <a:fld id="{C68FA179-BAE3-4847-9931-D275E2BBA771}" type="datetimeFigureOut">
               <a:rPr lang="en-IN" smtClean="0"/>
-              <a:t>20-01-2026</a:t>
+              <a:t>22-01-2026</a:t>
             </a:fld>
             <a:endParaRPr lang="en-IN"/>
           </a:p>
@@ -2808,7 +2864,7 @@
           <a:p>
             <a:fld id="{C68FA179-BAE3-4847-9931-D275E2BBA771}" type="datetimeFigureOut">
               <a:rPr lang="en-IN" smtClean="0"/>
-              <a:t>20-01-2026</a:t>
+              <a:t>22-01-2026</a:t>
             </a:fld>
             <a:endParaRPr lang="en-IN"/>
           </a:p>
@@ -3051,7 +3107,7 @@
           <a:p>
             <a:fld id="{C68FA179-BAE3-4847-9931-D275E2BBA771}" type="datetimeFigureOut">
               <a:rPr lang="en-IN" smtClean="0"/>
-              <a:t>20-01-2026</a:t>
+              <a:t>22-01-2026</a:t>
             </a:fld>
             <a:endParaRPr lang="en-IN"/>
           </a:p>
@@ -4250,10 +4306,40 @@
           <a:chExt cx="0" cy="0"/>
         </a:xfrm>
       </p:grpSpPr>
+      <p:pic>
+        <p:nvPicPr>
+          <p:cNvPr id="3" name="Picture 2">
+            <a:extLst>
+              <a:ext uri="{FF2B5EF4-FFF2-40B4-BE49-F238E27FC236}">
+                <a16:creationId xmlns:a16="http://schemas.microsoft.com/office/drawing/2014/main" id="{7A0DD27D-6BBC-4DD8-B701-287317748842}"/>
+              </a:ext>
+            </a:extLst>
+          </p:cNvPr>
+          <p:cNvPicPr>
+            <a:picLocks noChangeAspect="1"/>
+          </p:cNvPicPr>
+          <p:nvPr/>
+        </p:nvPicPr>
+        <p:blipFill>
+          <a:blip r:embed="rId2"/>
+          <a:stretch>
+            <a:fillRect/>
+          </a:stretch>
+        </p:blipFill>
+        <p:spPr>
+          <a:xfrm>
+            <a:off x="0" y="0"/>
+            <a:ext cx="12192000" cy="6858000"/>
+          </a:xfrm>
+          <a:prstGeom prst="rect">
+            <a:avLst/>
+          </a:prstGeom>
+        </p:spPr>
+      </p:pic>
     </p:spTree>
     <p:extLst>
       <p:ext uri="{BB962C8B-B14F-4D97-AF65-F5344CB8AC3E}">
-        <p14:creationId xmlns:p14="http://schemas.microsoft.com/office/powerpoint/2010/main" val="733668070"/>
+        <p14:creationId xmlns:p14="http://schemas.microsoft.com/office/powerpoint/2010/main" val="96808676"/>
       </p:ext>
     </p:extLst>
   </p:cSld>
@@ -4280,10 +4366,40 @@
           <a:chExt cx="0" cy="0"/>
         </a:xfrm>
       </p:grpSpPr>
+      <p:pic>
+        <p:nvPicPr>
+          <p:cNvPr id="3" name="Picture 2">
+            <a:extLst>
+              <a:ext uri="{FF2B5EF4-FFF2-40B4-BE49-F238E27FC236}">
+                <a16:creationId xmlns:a16="http://schemas.microsoft.com/office/drawing/2014/main" id="{965C6622-BC69-4050-8418-FACFE937AAA6}"/>
+              </a:ext>
+            </a:extLst>
+          </p:cNvPr>
+          <p:cNvPicPr>
+            <a:picLocks noChangeAspect="1"/>
+          </p:cNvPicPr>
+          <p:nvPr/>
+        </p:nvPicPr>
+        <p:blipFill>
+          <a:blip r:embed="rId2"/>
+          <a:stretch>
+            <a:fillRect/>
+          </a:stretch>
+        </p:blipFill>
+        <p:spPr>
+          <a:xfrm>
+            <a:off x="2617169" y="151354"/>
+            <a:ext cx="6957663" cy="6555292"/>
+          </a:xfrm>
+          <a:prstGeom prst="rect">
+            <a:avLst/>
+          </a:prstGeom>
+        </p:spPr>
+      </p:pic>
     </p:spTree>
     <p:extLst>
       <p:ext uri="{BB962C8B-B14F-4D97-AF65-F5344CB8AC3E}">
-        <p14:creationId xmlns:p14="http://schemas.microsoft.com/office/powerpoint/2010/main" val="96808676"/>
+        <p14:creationId xmlns:p14="http://schemas.microsoft.com/office/powerpoint/2010/main" val="733668070"/>
       </p:ext>
     </p:extLst>
   </p:cSld>
@@ -4310,10 +4426,550 @@
           <a:chExt cx="0" cy="0"/>
         </a:xfrm>
       </p:grpSpPr>
+      <p:pic>
+        <p:nvPicPr>
+          <p:cNvPr id="3" name="Picture 2">
+            <a:extLst>
+              <a:ext uri="{FF2B5EF4-FFF2-40B4-BE49-F238E27FC236}">
+                <a16:creationId xmlns:a16="http://schemas.microsoft.com/office/drawing/2014/main" id="{D7FF8BFC-A611-4623-ABC5-C7A1C18A25EF}"/>
+              </a:ext>
+            </a:extLst>
+          </p:cNvPr>
+          <p:cNvPicPr>
+            <a:picLocks noChangeAspect="1"/>
+          </p:cNvPicPr>
+          <p:nvPr/>
+        </p:nvPicPr>
+        <p:blipFill>
+          <a:blip r:embed="rId2"/>
+          <a:stretch>
+            <a:fillRect/>
+          </a:stretch>
+        </p:blipFill>
+        <p:spPr>
+          <a:xfrm>
+            <a:off x="0" y="-11644"/>
+            <a:ext cx="7404462" cy="6869644"/>
+          </a:xfrm>
+          <a:prstGeom prst="rect">
+            <a:avLst/>
+          </a:prstGeom>
+        </p:spPr>
+      </p:pic>
+      <p:pic>
+        <p:nvPicPr>
+          <p:cNvPr id="5" name="Picture 4">
+            <a:extLst>
+              <a:ext uri="{FF2B5EF4-FFF2-40B4-BE49-F238E27FC236}">
+                <a16:creationId xmlns:a16="http://schemas.microsoft.com/office/drawing/2014/main" id="{CD682A37-9A34-4438-A820-E5F8ED850D78}"/>
+              </a:ext>
+            </a:extLst>
+          </p:cNvPr>
+          <p:cNvPicPr>
+            <a:picLocks noChangeAspect="1"/>
+          </p:cNvPicPr>
+          <p:nvPr/>
+        </p:nvPicPr>
+        <p:blipFill>
+          <a:blip r:embed="rId3"/>
+          <a:stretch>
+            <a:fillRect/>
+          </a:stretch>
+        </p:blipFill>
+        <p:spPr>
+          <a:xfrm>
+            <a:off x="5805188" y="1434185"/>
+            <a:ext cx="6256562" cy="3977985"/>
+          </a:xfrm>
+          <a:prstGeom prst="rect">
+            <a:avLst/>
+          </a:prstGeom>
+        </p:spPr>
+      </p:pic>
     </p:spTree>
     <p:extLst>
       <p:ext uri="{BB962C8B-B14F-4D97-AF65-F5344CB8AC3E}">
         <p14:creationId xmlns:p14="http://schemas.microsoft.com/office/powerpoint/2010/main" val="1363883964"/>
+      </p:ext>
+    </p:extLst>
+  </p:cSld>
+  <p:clrMapOvr>
+    <a:masterClrMapping/>
+  </p:clrMapOvr>
+</p:sld>
+</file>
+
+<file path=ppt/slides/slide24.xml><?xml version="1.0" encoding="utf-8"?>
+<p:sld xmlns:a="http://schemas.openxmlformats.org/drawingml/2006/main" xmlns:r="http://schemas.openxmlformats.org/officeDocument/2006/relationships" xmlns:p="http://schemas.openxmlformats.org/presentationml/2006/main">
+  <p:cSld>
+    <p:spTree>
+      <p:nvGrpSpPr>
+        <p:cNvPr id="1" name=""/>
+        <p:cNvGrpSpPr/>
+        <p:nvPr/>
+      </p:nvGrpSpPr>
+      <p:grpSpPr>
+        <a:xfrm>
+          <a:off x="0" y="0"/>
+          <a:ext cx="0" cy="0"/>
+          <a:chOff x="0" y="0"/>
+          <a:chExt cx="0" cy="0"/>
+        </a:xfrm>
+      </p:grpSpPr>
+      <p:pic>
+        <p:nvPicPr>
+          <p:cNvPr id="3" name="Picture 2">
+            <a:extLst>
+              <a:ext uri="{FF2B5EF4-FFF2-40B4-BE49-F238E27FC236}">
+                <a16:creationId xmlns:a16="http://schemas.microsoft.com/office/drawing/2014/main" id="{92126F44-7820-4471-BB3F-85B661ED9190}"/>
+              </a:ext>
+            </a:extLst>
+          </p:cNvPr>
+          <p:cNvPicPr>
+            <a:picLocks noChangeAspect="1"/>
+          </p:cNvPicPr>
+          <p:nvPr/>
+        </p:nvPicPr>
+        <p:blipFill>
+          <a:blip r:embed="rId2"/>
+          <a:stretch>
+            <a:fillRect/>
+          </a:stretch>
+        </p:blipFill>
+        <p:spPr>
+          <a:xfrm>
+            <a:off x="339089" y="247755"/>
+            <a:ext cx="6630736" cy="6362489"/>
+          </a:xfrm>
+          <a:prstGeom prst="rect">
+            <a:avLst/>
+          </a:prstGeom>
+        </p:spPr>
+      </p:pic>
+      <p:pic>
+        <p:nvPicPr>
+          <p:cNvPr id="5" name="Picture 4">
+            <a:extLst>
+              <a:ext uri="{FF2B5EF4-FFF2-40B4-BE49-F238E27FC236}">
+                <a16:creationId xmlns:a16="http://schemas.microsoft.com/office/drawing/2014/main" id="{BB0556F7-5907-4686-A4D1-A728992FF5EB}"/>
+              </a:ext>
+            </a:extLst>
+          </p:cNvPr>
+          <p:cNvPicPr>
+            <a:picLocks noChangeAspect="1"/>
+          </p:cNvPicPr>
+          <p:nvPr/>
+        </p:nvPicPr>
+        <p:blipFill>
+          <a:blip r:embed="rId3"/>
+          <a:stretch>
+            <a:fillRect/>
+          </a:stretch>
+        </p:blipFill>
+        <p:spPr>
+          <a:xfrm>
+            <a:off x="7048680" y="3958693"/>
+            <a:ext cx="4976206" cy="1617826"/>
+          </a:xfrm>
+          <a:prstGeom prst="rect">
+            <a:avLst/>
+          </a:prstGeom>
+        </p:spPr>
+      </p:pic>
+    </p:spTree>
+    <p:extLst>
+      <p:ext uri="{BB962C8B-B14F-4D97-AF65-F5344CB8AC3E}">
+        <p14:creationId xmlns:p14="http://schemas.microsoft.com/office/powerpoint/2010/main" val="459019111"/>
+      </p:ext>
+    </p:extLst>
+  </p:cSld>
+  <p:clrMapOvr>
+    <a:masterClrMapping/>
+  </p:clrMapOvr>
+</p:sld>
+</file>
+
+<file path=ppt/slides/slide25.xml><?xml version="1.0" encoding="utf-8"?>
+<p:sld xmlns:a="http://schemas.openxmlformats.org/drawingml/2006/main" xmlns:r="http://schemas.openxmlformats.org/officeDocument/2006/relationships" xmlns:p="http://schemas.openxmlformats.org/presentationml/2006/main">
+  <p:cSld>
+    <p:spTree>
+      <p:nvGrpSpPr>
+        <p:cNvPr id="1" name=""/>
+        <p:cNvGrpSpPr/>
+        <p:nvPr/>
+      </p:nvGrpSpPr>
+      <p:grpSpPr>
+        <a:xfrm>
+          <a:off x="0" y="0"/>
+          <a:ext cx="0" cy="0"/>
+          <a:chOff x="0" y="0"/>
+          <a:chExt cx="0" cy="0"/>
+        </a:xfrm>
+      </p:grpSpPr>
+      <p:pic>
+        <p:nvPicPr>
+          <p:cNvPr id="3" name="Picture 2">
+            <a:extLst>
+              <a:ext uri="{FF2B5EF4-FFF2-40B4-BE49-F238E27FC236}">
+                <a16:creationId xmlns:a16="http://schemas.microsoft.com/office/drawing/2014/main" id="{C9FFE2BA-537D-484F-9EA1-7F0322446214}"/>
+              </a:ext>
+            </a:extLst>
+          </p:cNvPr>
+          <p:cNvPicPr>
+            <a:picLocks noChangeAspect="1"/>
+          </p:cNvPicPr>
+          <p:nvPr/>
+        </p:nvPicPr>
+        <p:blipFill>
+          <a:blip r:embed="rId2"/>
+          <a:stretch>
+            <a:fillRect/>
+          </a:stretch>
+        </p:blipFill>
+        <p:spPr>
+          <a:xfrm>
+            <a:off x="0" y="0"/>
+            <a:ext cx="12192000" cy="6858000"/>
+          </a:xfrm>
+          <a:prstGeom prst="rect">
+            <a:avLst/>
+          </a:prstGeom>
+        </p:spPr>
+      </p:pic>
+    </p:spTree>
+    <p:extLst>
+      <p:ext uri="{BB962C8B-B14F-4D97-AF65-F5344CB8AC3E}">
+        <p14:creationId xmlns:p14="http://schemas.microsoft.com/office/powerpoint/2010/main" val="507030078"/>
+      </p:ext>
+    </p:extLst>
+  </p:cSld>
+  <p:clrMapOvr>
+    <a:masterClrMapping/>
+  </p:clrMapOvr>
+</p:sld>
+</file>
+
+<file path=ppt/slides/slide26.xml><?xml version="1.0" encoding="utf-8"?>
+<p:sld xmlns:a="http://schemas.openxmlformats.org/drawingml/2006/main" xmlns:r="http://schemas.openxmlformats.org/officeDocument/2006/relationships" xmlns:p="http://schemas.openxmlformats.org/presentationml/2006/main">
+  <p:cSld>
+    <p:spTree>
+      <p:nvGrpSpPr>
+        <p:cNvPr id="1" name=""/>
+        <p:cNvGrpSpPr/>
+        <p:nvPr/>
+      </p:nvGrpSpPr>
+      <p:grpSpPr>
+        <a:xfrm>
+          <a:off x="0" y="0"/>
+          <a:ext cx="0" cy="0"/>
+          <a:chOff x="0" y="0"/>
+          <a:chExt cx="0" cy="0"/>
+        </a:xfrm>
+      </p:grpSpPr>
+      <p:pic>
+        <p:nvPicPr>
+          <p:cNvPr id="3" name="Picture 2">
+            <a:extLst>
+              <a:ext uri="{FF2B5EF4-FFF2-40B4-BE49-F238E27FC236}">
+                <a16:creationId xmlns:a16="http://schemas.microsoft.com/office/drawing/2014/main" id="{1D497376-B11F-48F7-A1EF-60174B511EF6}"/>
+              </a:ext>
+            </a:extLst>
+          </p:cNvPr>
+          <p:cNvPicPr>
+            <a:picLocks noChangeAspect="1"/>
+          </p:cNvPicPr>
+          <p:nvPr/>
+        </p:nvPicPr>
+        <p:blipFill>
+          <a:blip r:embed="rId2"/>
+          <a:stretch>
+            <a:fillRect/>
+          </a:stretch>
+        </p:blipFill>
+        <p:spPr>
+          <a:xfrm>
+            <a:off x="118698" y="338708"/>
+            <a:ext cx="6694446" cy="1663468"/>
+          </a:xfrm>
+          <a:prstGeom prst="rect">
+            <a:avLst/>
+          </a:prstGeom>
+        </p:spPr>
+      </p:pic>
+      <p:pic>
+        <p:nvPicPr>
+          <p:cNvPr id="5" name="Picture 4">
+            <a:extLst>
+              <a:ext uri="{FF2B5EF4-FFF2-40B4-BE49-F238E27FC236}">
+                <a16:creationId xmlns:a16="http://schemas.microsoft.com/office/drawing/2014/main" id="{DDCF479F-BB45-4A6D-8F83-6747EEEDBDB4}"/>
+              </a:ext>
+            </a:extLst>
+          </p:cNvPr>
+          <p:cNvPicPr>
+            <a:picLocks noChangeAspect="1"/>
+          </p:cNvPicPr>
+          <p:nvPr/>
+        </p:nvPicPr>
+        <p:blipFill>
+          <a:blip r:embed="rId3"/>
+          <a:stretch>
+            <a:fillRect/>
+          </a:stretch>
+        </p:blipFill>
+        <p:spPr>
+          <a:xfrm>
+            <a:off x="6919625" y="-1212"/>
+            <a:ext cx="4536732" cy="6860423"/>
+          </a:xfrm>
+          <a:prstGeom prst="rect">
+            <a:avLst/>
+          </a:prstGeom>
+        </p:spPr>
+      </p:pic>
+      <p:pic>
+        <p:nvPicPr>
+          <p:cNvPr id="7" name="Picture 6">
+            <a:extLst>
+              <a:ext uri="{FF2B5EF4-FFF2-40B4-BE49-F238E27FC236}">
+                <a16:creationId xmlns:a16="http://schemas.microsoft.com/office/drawing/2014/main" id="{ACED371D-873A-4906-BE39-015A5CE5D56D}"/>
+              </a:ext>
+            </a:extLst>
+          </p:cNvPr>
+          <p:cNvPicPr>
+            <a:picLocks noChangeAspect="1"/>
+          </p:cNvPicPr>
+          <p:nvPr/>
+        </p:nvPicPr>
+        <p:blipFill>
+          <a:blip r:embed="rId4"/>
+          <a:stretch>
+            <a:fillRect/>
+          </a:stretch>
+        </p:blipFill>
+        <p:spPr>
+          <a:xfrm>
+            <a:off x="1934737" y="3561025"/>
+            <a:ext cx="2760710" cy="1911262"/>
+          </a:xfrm>
+          <a:prstGeom prst="rect">
+            <a:avLst/>
+          </a:prstGeom>
+        </p:spPr>
+      </p:pic>
+    </p:spTree>
+    <p:extLst>
+      <p:ext uri="{BB962C8B-B14F-4D97-AF65-F5344CB8AC3E}">
+        <p14:creationId xmlns:p14="http://schemas.microsoft.com/office/powerpoint/2010/main" val="2559677459"/>
+      </p:ext>
+    </p:extLst>
+  </p:cSld>
+  <p:clrMapOvr>
+    <a:masterClrMapping/>
+  </p:clrMapOvr>
+</p:sld>
+</file>
+
+<file path=ppt/slides/slide27.xml><?xml version="1.0" encoding="utf-8"?>
+<p:sld xmlns:a="http://schemas.openxmlformats.org/drawingml/2006/main" xmlns:r="http://schemas.openxmlformats.org/officeDocument/2006/relationships" xmlns:p="http://schemas.openxmlformats.org/presentationml/2006/main">
+  <p:cSld>
+    <p:spTree>
+      <p:nvGrpSpPr>
+        <p:cNvPr id="1" name=""/>
+        <p:cNvGrpSpPr/>
+        <p:nvPr/>
+      </p:nvGrpSpPr>
+      <p:grpSpPr>
+        <a:xfrm>
+          <a:off x="0" y="0"/>
+          <a:ext cx="0" cy="0"/>
+          <a:chOff x="0" y="0"/>
+          <a:chExt cx="0" cy="0"/>
+        </a:xfrm>
+      </p:grpSpPr>
+      <p:pic>
+        <p:nvPicPr>
+          <p:cNvPr id="5" name="Picture 4">
+            <a:extLst>
+              <a:ext uri="{FF2B5EF4-FFF2-40B4-BE49-F238E27FC236}">
+                <a16:creationId xmlns:a16="http://schemas.microsoft.com/office/drawing/2014/main" id="{613F32C8-1375-4D42-9BED-14723B41F421}"/>
+              </a:ext>
+            </a:extLst>
+          </p:cNvPr>
+          <p:cNvPicPr>
+            <a:picLocks noChangeAspect="1"/>
+          </p:cNvPicPr>
+          <p:nvPr/>
+        </p:nvPicPr>
+        <p:blipFill>
+          <a:blip r:embed="rId2"/>
+          <a:stretch>
+            <a:fillRect/>
+          </a:stretch>
+        </p:blipFill>
+        <p:spPr>
+          <a:xfrm>
+            <a:off x="212907" y="167994"/>
+            <a:ext cx="6820491" cy="2545301"/>
+          </a:xfrm>
+          <a:prstGeom prst="rect">
+            <a:avLst/>
+          </a:prstGeom>
+        </p:spPr>
+      </p:pic>
+      <p:pic>
+        <p:nvPicPr>
+          <p:cNvPr id="6" name="Picture 5">
+            <a:extLst>
+              <a:ext uri="{FF2B5EF4-FFF2-40B4-BE49-F238E27FC236}">
+                <a16:creationId xmlns:a16="http://schemas.microsoft.com/office/drawing/2014/main" id="{32F2E4C8-82CD-4F62-B899-7817DA2C1817}"/>
+              </a:ext>
+            </a:extLst>
+          </p:cNvPr>
+          <p:cNvPicPr>
+            <a:picLocks noChangeAspect="1"/>
+          </p:cNvPicPr>
+          <p:nvPr/>
+        </p:nvPicPr>
+        <p:blipFill>
+          <a:blip r:embed="rId3"/>
+          <a:stretch>
+            <a:fillRect/>
+          </a:stretch>
+        </p:blipFill>
+        <p:spPr>
+          <a:xfrm>
+            <a:off x="7130691" y="167994"/>
+            <a:ext cx="4848402" cy="6522013"/>
+          </a:xfrm>
+          <a:prstGeom prst="rect">
+            <a:avLst/>
+          </a:prstGeom>
+        </p:spPr>
+      </p:pic>
+      <p:pic>
+        <p:nvPicPr>
+          <p:cNvPr id="8" name="Picture 7">
+            <a:extLst>
+              <a:ext uri="{FF2B5EF4-FFF2-40B4-BE49-F238E27FC236}">
+                <a16:creationId xmlns:a16="http://schemas.microsoft.com/office/drawing/2014/main" id="{CFAD56C1-7313-480D-B225-5C0BD8F962EC}"/>
+              </a:ext>
+            </a:extLst>
+          </p:cNvPr>
+          <p:cNvPicPr>
+            <a:picLocks noChangeAspect="1"/>
+          </p:cNvPicPr>
+          <p:nvPr/>
+        </p:nvPicPr>
+        <p:blipFill>
+          <a:blip r:embed="rId4"/>
+          <a:stretch>
+            <a:fillRect/>
+          </a:stretch>
+        </p:blipFill>
+        <p:spPr>
+          <a:xfrm>
+            <a:off x="947605" y="3679030"/>
+            <a:ext cx="5351094" cy="2233713"/>
+          </a:xfrm>
+          <a:prstGeom prst="rect">
+            <a:avLst/>
+          </a:prstGeom>
+        </p:spPr>
+      </p:pic>
+    </p:spTree>
+    <p:extLst>
+      <p:ext uri="{BB962C8B-B14F-4D97-AF65-F5344CB8AC3E}">
+        <p14:creationId xmlns:p14="http://schemas.microsoft.com/office/powerpoint/2010/main" val="3049407979"/>
+      </p:ext>
+    </p:extLst>
+  </p:cSld>
+  <p:clrMapOvr>
+    <a:masterClrMapping/>
+  </p:clrMapOvr>
+</p:sld>
+</file>
+
+<file path=ppt/slides/slide28.xml><?xml version="1.0" encoding="utf-8"?>
+<p:sld xmlns:a="http://schemas.openxmlformats.org/drawingml/2006/main" xmlns:r="http://schemas.openxmlformats.org/officeDocument/2006/relationships" xmlns:p="http://schemas.openxmlformats.org/presentationml/2006/main">
+  <p:cSld>
+    <p:spTree>
+      <p:nvGrpSpPr>
+        <p:cNvPr id="1" name=""/>
+        <p:cNvGrpSpPr/>
+        <p:nvPr/>
+      </p:nvGrpSpPr>
+      <p:grpSpPr>
+        <a:xfrm>
+          <a:off x="0" y="0"/>
+          <a:ext cx="0" cy="0"/>
+          <a:chOff x="0" y="0"/>
+          <a:chExt cx="0" cy="0"/>
+        </a:xfrm>
+      </p:grpSpPr>
+      <p:pic>
+        <p:nvPicPr>
+          <p:cNvPr id="3" name="Picture 2">
+            <a:extLst>
+              <a:ext uri="{FF2B5EF4-FFF2-40B4-BE49-F238E27FC236}">
+                <a16:creationId xmlns:a16="http://schemas.microsoft.com/office/drawing/2014/main" id="{7F0C9716-0846-4FB3-8194-99224FC76EB1}"/>
+              </a:ext>
+            </a:extLst>
+          </p:cNvPr>
+          <p:cNvPicPr>
+            <a:picLocks noChangeAspect="1"/>
+          </p:cNvPicPr>
+          <p:nvPr/>
+        </p:nvPicPr>
+        <p:blipFill>
+          <a:blip r:embed="rId2"/>
+          <a:stretch>
+            <a:fillRect/>
+          </a:stretch>
+        </p:blipFill>
+        <p:spPr>
+          <a:xfrm>
+            <a:off x="0" y="0"/>
+            <a:ext cx="12192000" cy="6858000"/>
+          </a:xfrm>
+          <a:prstGeom prst="rect">
+            <a:avLst/>
+          </a:prstGeom>
+        </p:spPr>
+      </p:pic>
+    </p:spTree>
+    <p:extLst>
+      <p:ext uri="{BB962C8B-B14F-4D97-AF65-F5344CB8AC3E}">
+        <p14:creationId xmlns:p14="http://schemas.microsoft.com/office/powerpoint/2010/main" val="3885048711"/>
+      </p:ext>
+    </p:extLst>
+  </p:cSld>
+  <p:clrMapOvr>
+    <a:masterClrMapping/>
+  </p:clrMapOvr>
+</p:sld>
+</file>
+
+<file path=ppt/slides/slide29.xml><?xml version="1.0" encoding="utf-8"?>
+<p:sld xmlns:a="http://schemas.openxmlformats.org/drawingml/2006/main" xmlns:r="http://schemas.openxmlformats.org/officeDocument/2006/relationships" xmlns:p="http://schemas.openxmlformats.org/presentationml/2006/main">
+  <p:cSld>
+    <p:spTree>
+      <p:nvGrpSpPr>
+        <p:cNvPr id="1" name=""/>
+        <p:cNvGrpSpPr/>
+        <p:nvPr/>
+      </p:nvGrpSpPr>
+      <p:grpSpPr>
+        <a:xfrm>
+          <a:off x="0" y="0"/>
+          <a:ext cx="0" cy="0"/>
+          <a:chOff x="0" y="0"/>
+          <a:chExt cx="0" cy="0"/>
+        </a:xfrm>
+      </p:grpSpPr>
+    </p:spTree>
+    <p:extLst>
+      <p:ext uri="{BB962C8B-B14F-4D97-AF65-F5344CB8AC3E}">
+        <p14:creationId xmlns:p14="http://schemas.microsoft.com/office/powerpoint/2010/main" val="1482288947"/>
       </p:ext>
     </p:extLst>
   </p:cSld>
@@ -4374,6 +5030,186 @@
     <p:extLst>
       <p:ext uri="{BB962C8B-B14F-4D97-AF65-F5344CB8AC3E}">
         <p14:creationId xmlns:p14="http://schemas.microsoft.com/office/powerpoint/2010/main" val="1433492616"/>
+      </p:ext>
+    </p:extLst>
+  </p:cSld>
+  <p:clrMapOvr>
+    <a:masterClrMapping/>
+  </p:clrMapOvr>
+</p:sld>
+</file>
+
+<file path=ppt/slides/slide30.xml><?xml version="1.0" encoding="utf-8"?>
+<p:sld xmlns:a="http://schemas.openxmlformats.org/drawingml/2006/main" xmlns:r="http://schemas.openxmlformats.org/officeDocument/2006/relationships" xmlns:p="http://schemas.openxmlformats.org/presentationml/2006/main">
+  <p:cSld>
+    <p:spTree>
+      <p:nvGrpSpPr>
+        <p:cNvPr id="1" name=""/>
+        <p:cNvGrpSpPr/>
+        <p:nvPr/>
+      </p:nvGrpSpPr>
+      <p:grpSpPr>
+        <a:xfrm>
+          <a:off x="0" y="0"/>
+          <a:ext cx="0" cy="0"/>
+          <a:chOff x="0" y="0"/>
+          <a:chExt cx="0" cy="0"/>
+        </a:xfrm>
+      </p:grpSpPr>
+    </p:spTree>
+    <p:extLst>
+      <p:ext uri="{BB962C8B-B14F-4D97-AF65-F5344CB8AC3E}">
+        <p14:creationId xmlns:p14="http://schemas.microsoft.com/office/powerpoint/2010/main" val="3716260700"/>
+      </p:ext>
+    </p:extLst>
+  </p:cSld>
+  <p:clrMapOvr>
+    <a:masterClrMapping/>
+  </p:clrMapOvr>
+</p:sld>
+</file>
+
+<file path=ppt/slides/slide31.xml><?xml version="1.0" encoding="utf-8"?>
+<p:sld xmlns:a="http://schemas.openxmlformats.org/drawingml/2006/main" xmlns:r="http://schemas.openxmlformats.org/officeDocument/2006/relationships" xmlns:p="http://schemas.openxmlformats.org/presentationml/2006/main">
+  <p:cSld>
+    <p:spTree>
+      <p:nvGrpSpPr>
+        <p:cNvPr id="1" name=""/>
+        <p:cNvGrpSpPr/>
+        <p:nvPr/>
+      </p:nvGrpSpPr>
+      <p:grpSpPr>
+        <a:xfrm>
+          <a:off x="0" y="0"/>
+          <a:ext cx="0" cy="0"/>
+          <a:chOff x="0" y="0"/>
+          <a:chExt cx="0" cy="0"/>
+        </a:xfrm>
+      </p:grpSpPr>
+    </p:spTree>
+    <p:extLst>
+      <p:ext uri="{BB962C8B-B14F-4D97-AF65-F5344CB8AC3E}">
+        <p14:creationId xmlns:p14="http://schemas.microsoft.com/office/powerpoint/2010/main" val="2665003167"/>
+      </p:ext>
+    </p:extLst>
+  </p:cSld>
+  <p:clrMapOvr>
+    <a:masterClrMapping/>
+  </p:clrMapOvr>
+</p:sld>
+</file>
+
+<file path=ppt/slides/slide32.xml><?xml version="1.0" encoding="utf-8"?>
+<p:sld xmlns:a="http://schemas.openxmlformats.org/drawingml/2006/main" xmlns:r="http://schemas.openxmlformats.org/officeDocument/2006/relationships" xmlns:p="http://schemas.openxmlformats.org/presentationml/2006/main">
+  <p:cSld>
+    <p:spTree>
+      <p:nvGrpSpPr>
+        <p:cNvPr id="1" name=""/>
+        <p:cNvGrpSpPr/>
+        <p:nvPr/>
+      </p:nvGrpSpPr>
+      <p:grpSpPr>
+        <a:xfrm>
+          <a:off x="0" y="0"/>
+          <a:ext cx="0" cy="0"/>
+          <a:chOff x="0" y="0"/>
+          <a:chExt cx="0" cy="0"/>
+        </a:xfrm>
+      </p:grpSpPr>
+    </p:spTree>
+    <p:extLst>
+      <p:ext uri="{BB962C8B-B14F-4D97-AF65-F5344CB8AC3E}">
+        <p14:creationId xmlns:p14="http://schemas.microsoft.com/office/powerpoint/2010/main" val="2701476270"/>
+      </p:ext>
+    </p:extLst>
+  </p:cSld>
+  <p:clrMapOvr>
+    <a:masterClrMapping/>
+  </p:clrMapOvr>
+</p:sld>
+</file>
+
+<file path=ppt/slides/slide33.xml><?xml version="1.0" encoding="utf-8"?>
+<p:sld xmlns:a="http://schemas.openxmlformats.org/drawingml/2006/main" xmlns:r="http://schemas.openxmlformats.org/officeDocument/2006/relationships" xmlns:p="http://schemas.openxmlformats.org/presentationml/2006/main">
+  <p:cSld>
+    <p:spTree>
+      <p:nvGrpSpPr>
+        <p:cNvPr id="1" name=""/>
+        <p:cNvGrpSpPr/>
+        <p:nvPr/>
+      </p:nvGrpSpPr>
+      <p:grpSpPr>
+        <a:xfrm>
+          <a:off x="0" y="0"/>
+          <a:ext cx="0" cy="0"/>
+          <a:chOff x="0" y="0"/>
+          <a:chExt cx="0" cy="0"/>
+        </a:xfrm>
+      </p:grpSpPr>
+    </p:spTree>
+    <p:extLst>
+      <p:ext uri="{BB962C8B-B14F-4D97-AF65-F5344CB8AC3E}">
+        <p14:creationId xmlns:p14="http://schemas.microsoft.com/office/powerpoint/2010/main" val="2093684474"/>
+      </p:ext>
+    </p:extLst>
+  </p:cSld>
+  <p:clrMapOvr>
+    <a:masterClrMapping/>
+  </p:clrMapOvr>
+</p:sld>
+</file>
+
+<file path=ppt/slides/slide34.xml><?xml version="1.0" encoding="utf-8"?>
+<p:sld xmlns:a="http://schemas.openxmlformats.org/drawingml/2006/main" xmlns:r="http://schemas.openxmlformats.org/officeDocument/2006/relationships" xmlns:p="http://schemas.openxmlformats.org/presentationml/2006/main">
+  <p:cSld>
+    <p:spTree>
+      <p:nvGrpSpPr>
+        <p:cNvPr id="1" name=""/>
+        <p:cNvGrpSpPr/>
+        <p:nvPr/>
+      </p:nvGrpSpPr>
+      <p:grpSpPr>
+        <a:xfrm>
+          <a:off x="0" y="0"/>
+          <a:ext cx="0" cy="0"/>
+          <a:chOff x="0" y="0"/>
+          <a:chExt cx="0" cy="0"/>
+        </a:xfrm>
+      </p:grpSpPr>
+    </p:spTree>
+    <p:extLst>
+      <p:ext uri="{BB962C8B-B14F-4D97-AF65-F5344CB8AC3E}">
+        <p14:creationId xmlns:p14="http://schemas.microsoft.com/office/powerpoint/2010/main" val="3196786870"/>
+      </p:ext>
+    </p:extLst>
+  </p:cSld>
+  <p:clrMapOvr>
+    <a:masterClrMapping/>
+  </p:clrMapOvr>
+</p:sld>
+</file>
+
+<file path=ppt/slides/slide35.xml><?xml version="1.0" encoding="utf-8"?>
+<p:sld xmlns:a="http://schemas.openxmlformats.org/drawingml/2006/main" xmlns:r="http://schemas.openxmlformats.org/officeDocument/2006/relationships" xmlns:p="http://schemas.openxmlformats.org/presentationml/2006/main">
+  <p:cSld>
+    <p:spTree>
+      <p:nvGrpSpPr>
+        <p:cNvPr id="1" name=""/>
+        <p:cNvGrpSpPr/>
+        <p:nvPr/>
+      </p:nvGrpSpPr>
+      <p:grpSpPr>
+        <a:xfrm>
+          <a:off x="0" y="0"/>
+          <a:ext cx="0" cy="0"/>
+          <a:chOff x="0" y="0"/>
+          <a:chExt cx="0" cy="0"/>
+        </a:xfrm>
+      </p:grpSpPr>
+    </p:spTree>
+    <p:extLst>
+      <p:ext uri="{BB962C8B-B14F-4D97-AF65-F5344CB8AC3E}">
+        <p14:creationId xmlns:p14="http://schemas.microsoft.com/office/powerpoint/2010/main" val="2429701427"/>
       </p:ext>
     </p:extLst>
   </p:cSld>
